--- a/docs/Threat-risk modeling Team-Kickoff.pptx
+++ b/docs/Threat-risk modeling Team-Kickoff.pptx
@@ -17748,7 +17748,7 @@
             <p:ph idx="1"/>
             <p:extLst>
               <p:ext uri="{D42A27DB-BD31-4B8C-83A1-F6EECF244321}">
-                <p14:modId xmlns:p14="http://schemas.microsoft.com/office/powerpoint/2010/main" val="3062907330"/>
+                <p14:modId xmlns:p14="http://schemas.microsoft.com/office/powerpoint/2010/main" val="2292615616"/>
               </p:ext>
             </p:extLst>
           </p:nvPr>
@@ -17819,7 +17819,7 @@
                     <a:p>
                       <a:r>
                         <a:rPr lang="en-US" dirty="0" smtClean="0"/>
-                        <a:t>June 15th</a:t>
+                        <a:t>Sept 15th</a:t>
                       </a:r>
                       <a:endParaRPr lang="en-US" dirty="0"/>
                     </a:p>
